--- a/XI class/01. OOP - Module 1/04. Сравнения и логически операции/Conditional-Statements.pptx
+++ b/XI class/01. OOP - Module 1/04. Сравнения и логически операции/Conditional-Statements.pptx
@@ -271,7 +271,7 @@
           <a:p>
             <a:fld id="{B6D41BCC-AD73-4203-A5A6-E62EB28B0FE6}" type="datetimeFigureOut">
               <a:rPr lang="en-US" smtClean="0"/>
-              <a:t>10/10/2023</a:t>
+              <a:t>9/27/2024</a:t>
             </a:fld>
             <a:endParaRPr lang="en-US"/>
           </a:p>
@@ -479,7 +479,7 @@
           <a:p>
             <a:fld id="{B6D41BCC-AD73-4203-A5A6-E62EB28B0FE6}" type="datetimeFigureOut">
               <a:rPr lang="en-US" smtClean="0"/>
-              <a:t>10/10/2023</a:t>
+              <a:t>9/27/2024</a:t>
             </a:fld>
             <a:endParaRPr lang="en-US"/>
           </a:p>
@@ -687,7 +687,7 @@
           <a:p>
             <a:fld id="{B6D41BCC-AD73-4203-A5A6-E62EB28B0FE6}" type="datetimeFigureOut">
               <a:rPr lang="en-US" smtClean="0"/>
-              <a:t>10/10/2023</a:t>
+              <a:t>9/27/2024</a:t>
             </a:fld>
             <a:endParaRPr lang="en-US"/>
           </a:p>
@@ -885,7 +885,7 @@
           <a:p>
             <a:fld id="{B6D41BCC-AD73-4203-A5A6-E62EB28B0FE6}" type="datetimeFigureOut">
               <a:rPr lang="en-US" smtClean="0"/>
-              <a:t>10/10/2023</a:t>
+              <a:t>9/27/2024</a:t>
             </a:fld>
             <a:endParaRPr lang="en-US"/>
           </a:p>
@@ -1162,7 +1162,7 @@
           <a:p>
             <a:fld id="{B6D41BCC-AD73-4203-A5A6-E62EB28B0FE6}" type="datetimeFigureOut">
               <a:rPr lang="en-US" smtClean="0"/>
-              <a:t>10/10/2023</a:t>
+              <a:t>9/27/2024</a:t>
             </a:fld>
             <a:endParaRPr lang="en-US"/>
           </a:p>
@@ -1432,7 +1432,7 @@
           <a:p>
             <a:fld id="{B6D41BCC-AD73-4203-A5A6-E62EB28B0FE6}" type="datetimeFigureOut">
               <a:rPr lang="en-US" smtClean="0"/>
-              <a:t>10/10/2023</a:t>
+              <a:t>9/27/2024</a:t>
             </a:fld>
             <a:endParaRPr lang="en-US"/>
           </a:p>
@@ -1848,7 +1848,7 @@
           <a:p>
             <a:fld id="{B6D41BCC-AD73-4203-A5A6-E62EB28B0FE6}" type="datetimeFigureOut">
               <a:rPr lang="en-US" smtClean="0"/>
-              <a:t>10/10/2023</a:t>
+              <a:t>9/27/2024</a:t>
             </a:fld>
             <a:endParaRPr lang="en-US"/>
           </a:p>
@@ -1989,7 +1989,7 @@
           <a:p>
             <a:fld id="{B6D41BCC-AD73-4203-A5A6-E62EB28B0FE6}" type="datetimeFigureOut">
               <a:rPr lang="en-US" smtClean="0"/>
-              <a:t>10/10/2023</a:t>
+              <a:t>9/27/2024</a:t>
             </a:fld>
             <a:endParaRPr lang="en-US"/>
           </a:p>
@@ -2102,7 +2102,7 @@
           <a:p>
             <a:fld id="{B6D41BCC-AD73-4203-A5A6-E62EB28B0FE6}" type="datetimeFigureOut">
               <a:rPr lang="en-US" smtClean="0"/>
-              <a:t>10/10/2023</a:t>
+              <a:t>9/27/2024</a:t>
             </a:fld>
             <a:endParaRPr lang="en-US"/>
           </a:p>
@@ -2428,7 +2428,7 @@
           <a:p>
             <a:fld id="{B6D41BCC-AD73-4203-A5A6-E62EB28B0FE6}" type="datetimeFigureOut">
               <a:rPr lang="en-US" smtClean="0"/>
-              <a:t>10/10/2023</a:t>
+              <a:t>9/27/2024</a:t>
             </a:fld>
             <a:endParaRPr lang="en-US"/>
           </a:p>
@@ -2716,7 +2716,7 @@
           <a:p>
             <a:fld id="{B6D41BCC-AD73-4203-A5A6-E62EB28B0FE6}" type="datetimeFigureOut">
               <a:rPr lang="en-US" smtClean="0"/>
-              <a:t>10/10/2023</a:t>
+              <a:t>9/27/2024</a:t>
             </a:fld>
             <a:endParaRPr lang="en-US"/>
           </a:p>
@@ -2956,7 +2956,7 @@
             <a:fld id="{B6D41BCC-AD73-4203-A5A6-E62EB28B0FE6}" type="datetimeFigureOut">
               <a:rPr lang="en-US" smtClean="0"/>
               <a:pPr/>
-              <a:t>10/10/2023</a:t>
+              <a:t>9/27/2024</a:t>
             </a:fld>
             <a:endParaRPr lang="en-US"/>
           </a:p>
